--- a/제안서 이미지/후생효과.pptx
+++ b/제안서 이미지/후생효과.pptx
@@ -5,8 +5,7 @@
     <p:sldMasterId id="2147483648" r:id="rId1"/>
   </p:sldMasterIdLst>
   <p:sldIdLst>
-    <p:sldId id="257" r:id="rId2"/>
-    <p:sldId id="258" r:id="rId3"/>
+    <p:sldId id="258" r:id="rId2"/>
   </p:sldIdLst>
   <p:sldSz cx="12192000" cy="6858000"/>
   <p:notesSz cx="6858000" cy="9144000"/>
@@ -271,7 +270,7 @@
           <a:p>
             <a:fld id="{ECB4FEE5-F6EB-46CA-8FED-854E12F5945C}" type="datetimeFigureOut">
               <a:rPr lang="ko-KR" altLang="en-US" smtClean="0"/>
-              <a:t>2022-07-01</a:t>
+              <a:t>2022-07-07</a:t>
             </a:fld>
             <a:endParaRPr lang="ko-KR" altLang="en-US"/>
           </a:p>
@@ -469,7 +468,7 @@
           <a:p>
             <a:fld id="{ECB4FEE5-F6EB-46CA-8FED-854E12F5945C}" type="datetimeFigureOut">
               <a:rPr lang="ko-KR" altLang="en-US" smtClean="0"/>
-              <a:t>2022-07-01</a:t>
+              <a:t>2022-07-07</a:t>
             </a:fld>
             <a:endParaRPr lang="ko-KR" altLang="en-US"/>
           </a:p>
@@ -677,7 +676,7 @@
           <a:p>
             <a:fld id="{ECB4FEE5-F6EB-46CA-8FED-854E12F5945C}" type="datetimeFigureOut">
               <a:rPr lang="ko-KR" altLang="en-US" smtClean="0"/>
-              <a:t>2022-07-01</a:t>
+              <a:t>2022-07-07</a:t>
             </a:fld>
             <a:endParaRPr lang="ko-KR" altLang="en-US"/>
           </a:p>
@@ -875,7 +874,7 @@
           <a:p>
             <a:fld id="{ECB4FEE5-F6EB-46CA-8FED-854E12F5945C}" type="datetimeFigureOut">
               <a:rPr lang="ko-KR" altLang="en-US" smtClean="0"/>
-              <a:t>2022-07-01</a:t>
+              <a:t>2022-07-07</a:t>
             </a:fld>
             <a:endParaRPr lang="ko-KR" altLang="en-US"/>
           </a:p>
@@ -1150,7 +1149,7 @@
           <a:p>
             <a:fld id="{ECB4FEE5-F6EB-46CA-8FED-854E12F5945C}" type="datetimeFigureOut">
               <a:rPr lang="ko-KR" altLang="en-US" smtClean="0"/>
-              <a:t>2022-07-01</a:t>
+              <a:t>2022-07-07</a:t>
             </a:fld>
             <a:endParaRPr lang="ko-KR" altLang="en-US"/>
           </a:p>
@@ -1415,7 +1414,7 @@
           <a:p>
             <a:fld id="{ECB4FEE5-F6EB-46CA-8FED-854E12F5945C}" type="datetimeFigureOut">
               <a:rPr lang="ko-KR" altLang="en-US" smtClean="0"/>
-              <a:t>2022-07-01</a:t>
+              <a:t>2022-07-07</a:t>
             </a:fld>
             <a:endParaRPr lang="ko-KR" altLang="en-US"/>
           </a:p>
@@ -1827,7 +1826,7 @@
           <a:p>
             <a:fld id="{ECB4FEE5-F6EB-46CA-8FED-854E12F5945C}" type="datetimeFigureOut">
               <a:rPr lang="ko-KR" altLang="en-US" smtClean="0"/>
-              <a:t>2022-07-01</a:t>
+              <a:t>2022-07-07</a:t>
             </a:fld>
             <a:endParaRPr lang="ko-KR" altLang="en-US"/>
           </a:p>
@@ -1968,7 +1967,7 @@
           <a:p>
             <a:fld id="{ECB4FEE5-F6EB-46CA-8FED-854E12F5945C}" type="datetimeFigureOut">
               <a:rPr lang="ko-KR" altLang="en-US" smtClean="0"/>
-              <a:t>2022-07-01</a:t>
+              <a:t>2022-07-07</a:t>
             </a:fld>
             <a:endParaRPr lang="ko-KR" altLang="en-US"/>
           </a:p>
@@ -2081,7 +2080,7 @@
           <a:p>
             <a:fld id="{ECB4FEE5-F6EB-46CA-8FED-854E12F5945C}" type="datetimeFigureOut">
               <a:rPr lang="ko-KR" altLang="en-US" smtClean="0"/>
-              <a:t>2022-07-01</a:t>
+              <a:t>2022-07-07</a:t>
             </a:fld>
             <a:endParaRPr lang="ko-KR" altLang="en-US"/>
           </a:p>
@@ -2392,7 +2391,7 @@
           <a:p>
             <a:fld id="{ECB4FEE5-F6EB-46CA-8FED-854E12F5945C}" type="datetimeFigureOut">
               <a:rPr lang="ko-KR" altLang="en-US" smtClean="0"/>
-              <a:t>2022-07-01</a:t>
+              <a:t>2022-07-07</a:t>
             </a:fld>
             <a:endParaRPr lang="ko-KR" altLang="en-US"/>
           </a:p>
@@ -2680,7 +2679,7 @@
           <a:p>
             <a:fld id="{ECB4FEE5-F6EB-46CA-8FED-854E12F5945C}" type="datetimeFigureOut">
               <a:rPr lang="ko-KR" altLang="en-US" smtClean="0"/>
-              <a:t>2022-07-01</a:t>
+              <a:t>2022-07-07</a:t>
             </a:fld>
             <a:endParaRPr lang="ko-KR" altLang="en-US"/>
           </a:p>
@@ -2921,7 +2920,7 @@
           <a:p>
             <a:fld id="{ECB4FEE5-F6EB-46CA-8FED-854E12F5945C}" type="datetimeFigureOut">
               <a:rPr lang="ko-KR" altLang="en-US" smtClean="0"/>
-              <a:t>2022-07-01</a:t>
+              <a:t>2022-07-07</a:t>
             </a:fld>
             <a:endParaRPr lang="ko-KR" altLang="en-US"/>
           </a:p>
@@ -3340,105 +3339,6 @@
       </p:grpSpPr>
       <p:sp>
         <p:nvSpPr>
-          <p:cNvPr id="4" name="Rectangle 2">
-            <a:extLst>
-              <a:ext uri="{FF2B5EF4-FFF2-40B4-BE49-F238E27FC236}">
-                <a16:creationId xmlns:a16="http://schemas.microsoft.com/office/drawing/2014/main" id="{7EA2CF13-70E7-BC62-EC8B-3DF6B6A34017}"/>
-              </a:ext>
-            </a:extLst>
-          </p:cNvPr>
-          <p:cNvSpPr>
-            <a:spLocks noChangeArrowheads="1"/>
-          </p:cNvSpPr>
-          <p:nvPr/>
-        </p:nvSpPr>
-        <p:spPr bwMode="auto">
-          <a:xfrm>
-            <a:off x="0" y="0"/>
-            <a:ext cx="12192000" cy="457200"/>
-          </a:xfrm>
-          <a:prstGeom prst="rect">
-            <a:avLst/>
-          </a:prstGeom>
-          <a:noFill/>
-          <a:ln>
-            <a:noFill/>
-          </a:ln>
-          <a:effectLst/>
-          <a:extLst>
-            <a:ext uri="{909E8E84-426E-40DD-AFC4-6F175D3DCCD1}">
-              <a14:hiddenFill xmlns:a14="http://schemas.microsoft.com/office/drawing/2010/main">
-                <a:solidFill>
-                  <a:schemeClr val="accent1"/>
-                </a:solidFill>
-              </a14:hiddenFill>
-            </a:ext>
-            <a:ext uri="{91240B29-F687-4F45-9708-019B960494DF}">
-              <a14:hiddenLine xmlns:a14="http://schemas.microsoft.com/office/drawing/2010/main" w="9525">
-                <a:solidFill>
-                  <a:schemeClr val="tx1"/>
-                </a:solidFill>
-                <a:miter lim="800000"/>
-                <a:headEnd/>
-                <a:tailEnd/>
-              </a14:hiddenLine>
-            </a:ext>
-            <a:ext uri="{AF507438-7753-43E0-B8FC-AC1667EBCBE1}">
-              <a14:hiddenEffects xmlns:a14="http://schemas.microsoft.com/office/drawing/2010/main">
-                <a:effectLst>
-                  <a:outerShdw dist="35921" dir="2700000" algn="ctr" rotWithShape="0">
-                    <a:schemeClr val="bg2"/>
-                  </a:outerShdw>
-                </a:effectLst>
-              </a14:hiddenEffects>
-            </a:ext>
-          </a:extLst>
-        </p:spPr>
-        <p:txBody>
-          <a:bodyPr vert="horz" wrap="none" lIns="91440" tIns="45720" rIns="91440" bIns="45720" numCol="1" anchor="ctr" anchorCtr="0" compatLnSpc="1">
-            <a:prstTxWarp prst="textNoShape">
-              <a:avLst/>
-            </a:prstTxWarp>
-            <a:spAutoFit/>
-          </a:bodyPr>
-          <a:lstStyle/>
-          <a:p>
-            <a:endParaRPr lang="ko-KR" altLang="en-US"/>
-          </a:p>
-        </p:txBody>
-      </p:sp>
-    </p:spTree>
-    <p:extLst>
-      <p:ext uri="{BB962C8B-B14F-4D97-AF65-F5344CB8AC3E}">
-        <p14:creationId xmlns:p14="http://schemas.microsoft.com/office/powerpoint/2010/main" val="1758274928"/>
-      </p:ext>
-    </p:extLst>
-  </p:cSld>
-  <p:clrMapOvr>
-    <a:masterClrMapping/>
-  </p:clrMapOvr>
-</p:sld>
-</file>
-
-<file path=ppt/slides/slide2.xml><?xml version="1.0" encoding="utf-8"?>
-<p:sld xmlns:a="http://schemas.openxmlformats.org/drawingml/2006/main" xmlns:r="http://schemas.openxmlformats.org/officeDocument/2006/relationships" xmlns:p="http://schemas.openxmlformats.org/presentationml/2006/main">
-  <p:cSld>
-    <p:spTree>
-      <p:nvGrpSpPr>
-        <p:cNvPr id="1" name=""/>
-        <p:cNvGrpSpPr/>
-        <p:nvPr/>
-      </p:nvGrpSpPr>
-      <p:grpSpPr>
-        <a:xfrm>
-          <a:off x="0" y="0"/>
-          <a:ext cx="0" cy="0"/>
-          <a:chOff x="0" y="0"/>
-          <a:chExt cx="0" cy="0"/>
-        </a:xfrm>
-      </p:grpSpPr>
-      <p:sp>
-        <p:nvSpPr>
           <p:cNvPr id="21" name="사각형: 둥근 모서리 20">
             <a:extLst>
               <a:ext uri="{FF2B5EF4-FFF2-40B4-BE49-F238E27FC236}">
@@ -3527,8 +3427,8 @@
           </a:p>
         </p:txBody>
       </p:sp>
-      <mc:AlternateContent xmlns:mc="http://schemas.openxmlformats.org/markup-compatibility/2006">
-        <mc:Choice xmlns:a14="http://schemas.microsoft.com/office/drawing/2010/main" Requires="a14">
+      <mc:AlternateContent xmlns:mc="http://schemas.openxmlformats.org/markup-compatibility/2006" xmlns:a14="http://schemas.microsoft.com/office/drawing/2010/main">
+        <mc:Choice Requires="a14">
           <p:sp>
             <p:nvSpPr>
               <p:cNvPr id="23" name="TextBox 22">
@@ -3767,7 +3667,7 @@
             </p:txBody>
           </p:sp>
         </mc:Choice>
-        <mc:Fallback>
+        <mc:Fallback xmlns="">
           <p:sp>
             <p:nvSpPr>
               <p:cNvPr id="23" name="TextBox 22">
@@ -4043,7 +3943,7 @@
           <a:solidFill>
             <a:schemeClr val="bg1"/>
           </a:solidFill>
-          <a:ln>
+          <a:ln w="57150">
             <a:solidFill>
               <a:schemeClr val="bg1">
                 <a:lumMod val="85000"/>
@@ -4110,7 +4010,17 @@
                 <a:latin typeface="나눔스퀘어OTF ExtraBold" panose="020B0600000101010101" pitchFamily="34" charset="-127"/>
                 <a:ea typeface="나눔스퀘어OTF ExtraBold" panose="020B0600000101010101" pitchFamily="34" charset="-127"/>
               </a:rPr>
-              <a:t> 및 충전기 가동률 </a:t>
+              <a:t> 및 </a:t>
+            </a:r>
+            <a:r>
+              <a:rPr lang="ko-KR" altLang="en-US" sz="2400">
+                <a:solidFill>
+                  <a:sysClr val="windowText" lastClr="000000"/>
+                </a:solidFill>
+                <a:latin typeface="나눔스퀘어OTF ExtraBold" panose="020B0600000101010101" pitchFamily="34" charset="-127"/>
+                <a:ea typeface="나눔스퀘어OTF ExtraBold" panose="020B0600000101010101" pitchFamily="34" charset="-127"/>
+              </a:rPr>
+              <a:t>충전기 이용률 </a:t>
             </a:r>
             <a:r>
               <a:rPr lang="ko-KR" altLang="en-US" sz="2400" dirty="0">
@@ -4476,7 +4386,7 @@
             </a:avLst>
           </a:prstGeom>
           <a:solidFill>
-            <a:srgbClr val="F0F5CB"/>
+            <a:srgbClr val="14AD89"/>
           </a:solidFill>
           <a:ln>
             <a:noFill/>
@@ -4533,7 +4443,7 @@
             </a:avLst>
           </a:prstGeom>
           <a:solidFill>
-            <a:srgbClr val="F0F5CB"/>
+            <a:srgbClr val="14AD89"/>
           </a:solidFill>
           <a:ln>
             <a:noFill/>
@@ -4565,6 +4475,60 @@
                 <a:schemeClr val="tx1"/>
               </a:solidFill>
             </a:endParaRPr>
+          </a:p>
+        </p:txBody>
+      </p:sp>
+      <p:sp>
+        <p:nvSpPr>
+          <p:cNvPr id="2" name="직사각형 1">
+            <a:extLst>
+              <a:ext uri="{FF2B5EF4-FFF2-40B4-BE49-F238E27FC236}">
+                <a16:creationId xmlns:a16="http://schemas.microsoft.com/office/drawing/2014/main" id="{4631C4D4-D2D1-1E13-BA5F-9E4926FFA000}"/>
+              </a:ext>
+            </a:extLst>
+          </p:cNvPr>
+          <p:cNvSpPr/>
+          <p:nvPr/>
+        </p:nvSpPr>
+        <p:spPr>
+          <a:xfrm>
+            <a:off x="1517716" y="1613865"/>
+            <a:ext cx="9588630" cy="4670452"/>
+          </a:xfrm>
+          <a:prstGeom prst="rect">
+            <a:avLst/>
+          </a:prstGeom>
+          <a:noFill/>
+          <a:ln w="38100">
+            <a:solidFill>
+              <a:schemeClr val="bg1">
+                <a:lumMod val="85000"/>
+              </a:schemeClr>
+            </a:solidFill>
+          </a:ln>
+        </p:spPr>
+        <p:style>
+          <a:lnRef idx="2">
+            <a:schemeClr val="accent1">
+              <a:shade val="50000"/>
+            </a:schemeClr>
+          </a:lnRef>
+          <a:fillRef idx="1">
+            <a:schemeClr val="accent1"/>
+          </a:fillRef>
+          <a:effectRef idx="0">
+            <a:schemeClr val="accent1"/>
+          </a:effectRef>
+          <a:fontRef idx="minor">
+            <a:schemeClr val="lt1"/>
+          </a:fontRef>
+        </p:style>
+        <p:txBody>
+          <a:bodyPr rtlCol="0" anchor="ctr"/>
+          <a:lstStyle/>
+          <a:p>
+            <a:pPr algn="ctr"/>
+            <a:endParaRPr lang="ko-KR" altLang="en-US"/>
           </a:p>
         </p:txBody>
       </p:sp>
